--- a/OOP.pptx
+++ b/OOP.pptx
@@ -12344,8 +12344,12 @@
           <a:lstStyle/>
           <a:p>
             <a:r>
+              <a:rPr lang="en-US" dirty="0" smtClean="0"/>
+              <a:t>Principles </a:t>
+            </a:r>
+            <a:r>
               <a:rPr lang="en-US" dirty="0"/>
-              <a:t>Principle of </a:t>
+              <a:t>of </a:t>
             </a:r>
             <a:r>
               <a:rPr lang="en-US" dirty="0" smtClean="0"/>
@@ -19656,6 +19660,14 @@
 </file>
 
 <file path=customXml/item1.xml><?xml version="1.0" encoding="utf-8"?>
+<p:properties xmlns:p="http://schemas.microsoft.com/office/2006/metadata/properties" xmlns:xsi="http://www.w3.org/2001/XMLSchema-instance" xmlns:pc="http://schemas.microsoft.com/office/infopath/2007/PartnerControls">
+  <documentManagement>
+    <_x041a__x043e__x043c__x0435__x0442__x0430__x0440_ xmlns="835f28f2-30f1-4728-84d2-86d96e143488" xsi:nil="true"/>
+  </documentManagement>
+</p:properties>
+</file>
+
+<file path=customXml/item2.xml><?xml version="1.0" encoding="utf-8"?>
 <ct:contentTypeSchema xmlns:ct="http://schemas.microsoft.com/office/2006/metadata/contentType" xmlns:ma="http://schemas.microsoft.com/office/2006/metadata/properties/metaAttributes" ct:_="" ma:_="" ma:contentTypeName="Document" ma:contentTypeID="0x0101004195FC54A15F344D83577B1CDDD67A5D" ma:contentTypeVersion="13" ma:contentTypeDescription="Create a new document." ma:contentTypeScope="" ma:versionID="30ded57c9b2156718eb8cc7b0e4246dc">
   <xsd:schema xmlns:xsd="http://www.w3.org/2001/XMLSchema" xmlns:xs="http://www.w3.org/2001/XMLSchema" xmlns:p="http://schemas.microsoft.com/office/2006/metadata/properties" xmlns:ns2="341e6018-ac0a-4dfb-8409-db9e0d25502e" xmlns:ns3="835f28f2-30f1-4728-84d2-86d96e143488" targetNamespace="http://schemas.microsoft.com/office/2006/metadata/properties" ma:root="true" ma:fieldsID="a0d1831635397921c92a19e568dfc949" ns2:_="" ns3:_="">
     <xsd:import namespace="341e6018-ac0a-4dfb-8409-db9e0d25502e"/>
@@ -19880,14 +19892,6 @@
 </ct:contentTypeSchema>
 </file>
 
-<file path=customXml/item2.xml><?xml version="1.0" encoding="utf-8"?>
-<p:properties xmlns:p="http://schemas.microsoft.com/office/2006/metadata/properties" xmlns:xsi="http://www.w3.org/2001/XMLSchema-instance" xmlns:pc="http://schemas.microsoft.com/office/infopath/2007/PartnerControls">
-  <documentManagement>
-    <_x041a__x043e__x043c__x0435__x0442__x0430__x0440_ xmlns="835f28f2-30f1-4728-84d2-86d96e143488" xsi:nil="true"/>
-  </documentManagement>
-</p:properties>
-</file>
-
 <file path=customXml/item3.xml><?xml version="1.0" encoding="utf-8"?>
 <?mso-contentType ?>
 <FormTemplates xmlns="http://schemas.microsoft.com/sharepoint/v3/contenttype/forms">
@@ -19898,6 +19902,23 @@
 </file>
 
 <file path=customXml/itemProps1.xml><?xml version="1.0" encoding="utf-8"?>
+<ds:datastoreItem xmlns:ds="http://schemas.openxmlformats.org/officeDocument/2006/customXml" ds:itemID="{E9033E08-7FE9-4F6D-B155-A8777B4A5A57}">
+  <ds:schemaRefs>
+    <ds:schemaRef ds:uri="http://schemas.openxmlformats.org/package/2006/metadata/core-properties"/>
+    <ds:schemaRef ds:uri="http://purl.org/dc/elements/1.1/"/>
+    <ds:schemaRef ds:uri="http://schemas.microsoft.com/office/2006/metadata/properties"/>
+    <ds:schemaRef ds:uri="http://purl.org/dc/terms/"/>
+    <ds:schemaRef ds:uri="http://schemas.microsoft.com/office/infopath/2007/PartnerControls"/>
+    <ds:schemaRef ds:uri="835f28f2-30f1-4728-84d2-86d96e143488"/>
+    <ds:schemaRef ds:uri="http://schemas.microsoft.com/office/2006/documentManagement/types"/>
+    <ds:schemaRef ds:uri="341e6018-ac0a-4dfb-8409-db9e0d25502e"/>
+    <ds:schemaRef ds:uri="http://www.w3.org/XML/1998/namespace"/>
+    <ds:schemaRef ds:uri="http://purl.org/dc/dcmitype/"/>
+  </ds:schemaRefs>
+</ds:datastoreItem>
+</file>
+
+<file path=customXml/itemProps2.xml><?xml version="1.0" encoding="utf-8"?>
 <ds:datastoreItem xmlns:ds="http://schemas.openxmlformats.org/officeDocument/2006/customXml" ds:itemID="{5BCFD5A9-9FF3-42E0-89D7-BF5BFC61DD60}">
   <ds:schemaRefs>
     <ds:schemaRef ds:uri="341e6018-ac0a-4dfb-8409-db9e0d25502e"/>
@@ -19916,23 +19937,6 @@
 </ds:datastoreItem>
 </file>
 
-<file path=customXml/itemProps2.xml><?xml version="1.0" encoding="utf-8"?>
-<ds:datastoreItem xmlns:ds="http://schemas.openxmlformats.org/officeDocument/2006/customXml" ds:itemID="{E9033E08-7FE9-4F6D-B155-A8777B4A5A57}">
-  <ds:schemaRefs>
-    <ds:schemaRef ds:uri="http://schemas.openxmlformats.org/package/2006/metadata/core-properties"/>
-    <ds:schemaRef ds:uri="http://purl.org/dc/elements/1.1/"/>
-    <ds:schemaRef ds:uri="http://schemas.microsoft.com/office/2006/metadata/properties"/>
-    <ds:schemaRef ds:uri="http://purl.org/dc/terms/"/>
-    <ds:schemaRef ds:uri="http://schemas.microsoft.com/office/infopath/2007/PartnerControls"/>
-    <ds:schemaRef ds:uri="835f28f2-30f1-4728-84d2-86d96e143488"/>
-    <ds:schemaRef ds:uri="http://schemas.microsoft.com/office/2006/documentManagement/types"/>
-    <ds:schemaRef ds:uri="341e6018-ac0a-4dfb-8409-db9e0d25502e"/>
-    <ds:schemaRef ds:uri="http://www.w3.org/XML/1998/namespace"/>
-    <ds:schemaRef ds:uri="http://purl.org/dc/dcmitype/"/>
-  </ds:schemaRefs>
-</ds:datastoreItem>
-</file>
-
 <file path=customXml/itemProps3.xml><?xml version="1.0" encoding="utf-8"?>
 <ds:datastoreItem xmlns:ds="http://schemas.openxmlformats.org/officeDocument/2006/customXml" ds:itemID="{296B3B9E-03D8-4766-BF45-6129617CF026}">
   <ds:schemaRefs>

--- a/OOP.pptx
+++ b/OOP.pptx
@@ -12821,8 +12821,8 @@
         </p:blipFill>
         <p:spPr>
           <a:xfrm>
-            <a:off x="382363" y="4744843"/>
-            <a:ext cx="2738933" cy="233362"/>
+            <a:off x="382363" y="4744842"/>
+            <a:ext cx="3013634" cy="256767"/>
           </a:xfrm>
           <a:prstGeom prst="rect">
             <a:avLst/>
@@ -12845,8 +12845,8 @@
         </p:blipFill>
         <p:spPr>
           <a:xfrm>
-            <a:off x="4685861" y="5060283"/>
-            <a:ext cx="3348271" cy="194506"/>
+            <a:off x="4685861" y="5067787"/>
+            <a:ext cx="3219102" cy="187002"/>
           </a:xfrm>
           <a:prstGeom prst="rect">
             <a:avLst/>
@@ -14109,7 +14109,7 @@
         </p:blipFill>
         <p:spPr bwMode="auto">
           <a:xfrm>
-            <a:off x="6623282" y="2357581"/>
+            <a:off x="6768248" y="2357581"/>
             <a:ext cx="4324350" cy="3086101"/>
           </a:xfrm>
           <a:prstGeom prst="rect">
@@ -19660,14 +19660,6 @@
 </file>
 
 <file path=customXml/item1.xml><?xml version="1.0" encoding="utf-8"?>
-<p:properties xmlns:p="http://schemas.microsoft.com/office/2006/metadata/properties" xmlns:xsi="http://www.w3.org/2001/XMLSchema-instance" xmlns:pc="http://schemas.microsoft.com/office/infopath/2007/PartnerControls">
-  <documentManagement>
-    <_x041a__x043e__x043c__x0435__x0442__x0430__x0440_ xmlns="835f28f2-30f1-4728-84d2-86d96e143488" xsi:nil="true"/>
-  </documentManagement>
-</p:properties>
-</file>
-
-<file path=customXml/item2.xml><?xml version="1.0" encoding="utf-8"?>
 <ct:contentTypeSchema xmlns:ct="http://schemas.microsoft.com/office/2006/metadata/contentType" xmlns:ma="http://schemas.microsoft.com/office/2006/metadata/properties/metaAttributes" ct:_="" ma:_="" ma:contentTypeName="Document" ma:contentTypeID="0x0101004195FC54A15F344D83577B1CDDD67A5D" ma:contentTypeVersion="13" ma:contentTypeDescription="Create a new document." ma:contentTypeScope="" ma:versionID="30ded57c9b2156718eb8cc7b0e4246dc">
   <xsd:schema xmlns:xsd="http://www.w3.org/2001/XMLSchema" xmlns:xs="http://www.w3.org/2001/XMLSchema" xmlns:p="http://schemas.microsoft.com/office/2006/metadata/properties" xmlns:ns2="341e6018-ac0a-4dfb-8409-db9e0d25502e" xmlns:ns3="835f28f2-30f1-4728-84d2-86d96e143488" targetNamespace="http://schemas.microsoft.com/office/2006/metadata/properties" ma:root="true" ma:fieldsID="a0d1831635397921c92a19e568dfc949" ns2:_="" ns3:_="">
     <xsd:import namespace="341e6018-ac0a-4dfb-8409-db9e0d25502e"/>
@@ -19892,6 +19884,14 @@
 </ct:contentTypeSchema>
 </file>
 
+<file path=customXml/item2.xml><?xml version="1.0" encoding="utf-8"?>
+<p:properties xmlns:p="http://schemas.microsoft.com/office/2006/metadata/properties" xmlns:xsi="http://www.w3.org/2001/XMLSchema-instance" xmlns:pc="http://schemas.microsoft.com/office/infopath/2007/PartnerControls">
+  <documentManagement>
+    <_x041a__x043e__x043c__x0435__x0442__x0430__x0440_ xmlns="835f28f2-30f1-4728-84d2-86d96e143488" xsi:nil="true"/>
+  </documentManagement>
+</p:properties>
+</file>
+
 <file path=customXml/item3.xml><?xml version="1.0" encoding="utf-8"?>
 <?mso-contentType ?>
 <FormTemplates xmlns="http://schemas.microsoft.com/sharepoint/v3/contenttype/forms">
@@ -19902,23 +19902,6 @@
 </file>
 
 <file path=customXml/itemProps1.xml><?xml version="1.0" encoding="utf-8"?>
-<ds:datastoreItem xmlns:ds="http://schemas.openxmlformats.org/officeDocument/2006/customXml" ds:itemID="{E9033E08-7FE9-4F6D-B155-A8777B4A5A57}">
-  <ds:schemaRefs>
-    <ds:schemaRef ds:uri="http://schemas.openxmlformats.org/package/2006/metadata/core-properties"/>
-    <ds:schemaRef ds:uri="http://purl.org/dc/elements/1.1/"/>
-    <ds:schemaRef ds:uri="http://schemas.microsoft.com/office/2006/metadata/properties"/>
-    <ds:schemaRef ds:uri="http://purl.org/dc/terms/"/>
-    <ds:schemaRef ds:uri="http://schemas.microsoft.com/office/infopath/2007/PartnerControls"/>
-    <ds:schemaRef ds:uri="835f28f2-30f1-4728-84d2-86d96e143488"/>
-    <ds:schemaRef ds:uri="http://schemas.microsoft.com/office/2006/documentManagement/types"/>
-    <ds:schemaRef ds:uri="341e6018-ac0a-4dfb-8409-db9e0d25502e"/>
-    <ds:schemaRef ds:uri="http://www.w3.org/XML/1998/namespace"/>
-    <ds:schemaRef ds:uri="http://purl.org/dc/dcmitype/"/>
-  </ds:schemaRefs>
-</ds:datastoreItem>
-</file>
-
-<file path=customXml/itemProps2.xml><?xml version="1.0" encoding="utf-8"?>
 <ds:datastoreItem xmlns:ds="http://schemas.openxmlformats.org/officeDocument/2006/customXml" ds:itemID="{5BCFD5A9-9FF3-42E0-89D7-BF5BFC61DD60}">
   <ds:schemaRefs>
     <ds:schemaRef ds:uri="341e6018-ac0a-4dfb-8409-db9e0d25502e"/>
@@ -19937,6 +19920,23 @@
 </ds:datastoreItem>
 </file>
 
+<file path=customXml/itemProps2.xml><?xml version="1.0" encoding="utf-8"?>
+<ds:datastoreItem xmlns:ds="http://schemas.openxmlformats.org/officeDocument/2006/customXml" ds:itemID="{E9033E08-7FE9-4F6D-B155-A8777B4A5A57}">
+  <ds:schemaRefs>
+    <ds:schemaRef ds:uri="http://schemas.openxmlformats.org/package/2006/metadata/core-properties"/>
+    <ds:schemaRef ds:uri="http://purl.org/dc/elements/1.1/"/>
+    <ds:schemaRef ds:uri="http://schemas.microsoft.com/office/2006/metadata/properties"/>
+    <ds:schemaRef ds:uri="http://purl.org/dc/terms/"/>
+    <ds:schemaRef ds:uri="http://schemas.microsoft.com/office/infopath/2007/PartnerControls"/>
+    <ds:schemaRef ds:uri="835f28f2-30f1-4728-84d2-86d96e143488"/>
+    <ds:schemaRef ds:uri="http://schemas.microsoft.com/office/2006/documentManagement/types"/>
+    <ds:schemaRef ds:uri="341e6018-ac0a-4dfb-8409-db9e0d25502e"/>
+    <ds:schemaRef ds:uri="http://www.w3.org/XML/1998/namespace"/>
+    <ds:schemaRef ds:uri="http://purl.org/dc/dcmitype/"/>
+  </ds:schemaRefs>
+</ds:datastoreItem>
+</file>
+
 <file path=customXml/itemProps3.xml><?xml version="1.0" encoding="utf-8"?>
 <ds:datastoreItem xmlns:ds="http://schemas.openxmlformats.org/officeDocument/2006/customXml" ds:itemID="{296B3B9E-03D8-4766-BF45-6129617CF026}">
   <ds:schemaRefs>
